--- a/QualityGates/QualityGate2_RafaelaRolimSantana/QG2-presentation.pptx
+++ b/QualityGates/QualityGate2_RafaelaRolimSantana/QG2-presentation.pptx
@@ -5,10 +5,10 @@
     <p:sldMasterId id="2147483648" r:id="rId1"/>
   </p:sldMasterIdLst>
   <p:notesMasterIdLst>
-    <p:notesMasterId r:id="rId15"/>
+    <p:notesMasterId r:id="rId13"/>
   </p:notesMasterIdLst>
   <p:handoutMasterIdLst>
-    <p:handoutMasterId r:id="rId16"/>
+    <p:handoutMasterId r:id="rId14"/>
   </p:handoutMasterIdLst>
   <p:sldIdLst>
     <p:sldId id="260" r:id="rId2"/>
@@ -18,12 +18,10 @@
     <p:sldId id="271" r:id="rId6"/>
     <p:sldId id="270" r:id="rId7"/>
     <p:sldId id="272" r:id="rId8"/>
-    <p:sldId id="275" r:id="rId9"/>
-    <p:sldId id="276" r:id="rId10"/>
-    <p:sldId id="277" r:id="rId11"/>
-    <p:sldId id="278" r:id="rId12"/>
-    <p:sldId id="267" r:id="rId13"/>
-    <p:sldId id="274" r:id="rId14"/>
+    <p:sldId id="279" r:id="rId9"/>
+    <p:sldId id="275" r:id="rId10"/>
+    <p:sldId id="267" r:id="rId11"/>
+    <p:sldId id="274" r:id="rId12"/>
   </p:sldIdLst>
   <p:sldSz cx="9144000" cy="5143500" type="screen16x9"/>
   <p:notesSz cx="6858000" cy="9144000"/>
@@ -215,7 +213,7 @@
           <a:p>
             <a:fld id="{177B9070-9281-4B15-842B-9B135EE24603}" type="datetimeFigureOut">
               <a:rPr lang="de-AT" smtClean="0"/>
-              <a:t>02.04.25</a:t>
+              <a:t>25.04.25</a:t>
             </a:fld>
             <a:endParaRPr lang="de-AT"/>
           </a:p>
@@ -380,7 +378,7 @@
           <a:p>
             <a:fld id="{843A4CAD-2332-440A-B5F3-F5F26A7FAEC2}" type="datetimeFigureOut">
               <a:rPr lang="en-US" smtClean="0"/>
-              <a:t>4/2/25</a:t>
+              <a:t>4/25/25</a:t>
             </a:fld>
             <a:endParaRPr lang="en-US"/>
           </a:p>
@@ -5615,380 +5613,6 @@
   <p:cSld>
     <p:spTree>
       <p:nvGrpSpPr>
-        <p:cNvPr id="1" name="">
-          <a:extLst>
-            <a:ext uri="{FF2B5EF4-FFF2-40B4-BE49-F238E27FC236}">
-              <a16:creationId xmlns:a16="http://schemas.microsoft.com/office/drawing/2014/main" id="{502DC8EB-E3A1-D780-D391-563F454BF580}"/>
-            </a:ext>
-          </a:extLst>
-        </p:cNvPr>
-        <p:cNvGrpSpPr/>
-        <p:nvPr/>
-      </p:nvGrpSpPr>
-      <p:grpSpPr>
-        <a:xfrm>
-          <a:off x="0" y="0"/>
-          <a:ext cx="0" cy="0"/>
-          <a:chOff x="0" y="0"/>
-          <a:chExt cx="0" cy="0"/>
-        </a:xfrm>
-      </p:grpSpPr>
-      <p:sp>
-        <p:nvSpPr>
-          <p:cNvPr id="2" name="Title 1">
-            <a:extLst>
-              <a:ext uri="{FF2B5EF4-FFF2-40B4-BE49-F238E27FC236}">
-                <a16:creationId xmlns:a16="http://schemas.microsoft.com/office/drawing/2014/main" id="{33BBFA47-8810-9B64-86EE-1A2674152767}"/>
-              </a:ext>
-            </a:extLst>
-          </p:cNvPr>
-          <p:cNvSpPr>
-            <a:spLocks noGrp="1"/>
-          </p:cNvSpPr>
-          <p:nvPr>
-            <p:ph type="title"/>
-          </p:nvPr>
-        </p:nvSpPr>
-        <p:spPr/>
-        <p:txBody>
-          <a:bodyPr>
-            <a:normAutofit fontScale="90000"/>
-          </a:bodyPr>
-          <a:lstStyle/>
-          <a:p>
-            <a:r>
-              <a:rPr lang="en-AT" dirty="0"/>
-              <a:t>Primary Results: CoVe vs Self-Refine</a:t>
-            </a:r>
-          </a:p>
-        </p:txBody>
-      </p:sp>
-      <p:sp>
-        <p:nvSpPr>
-          <p:cNvPr id="4" name="Footer Placeholder 3">
-            <a:extLst>
-              <a:ext uri="{FF2B5EF4-FFF2-40B4-BE49-F238E27FC236}">
-                <a16:creationId xmlns:a16="http://schemas.microsoft.com/office/drawing/2014/main" id="{31890319-7667-F5E8-D98C-648BF3A072CD}"/>
-              </a:ext>
-            </a:extLst>
-          </p:cNvPr>
-          <p:cNvSpPr>
-            <a:spLocks noGrp="1"/>
-          </p:cNvSpPr>
-          <p:nvPr>
-            <p:ph type="ftr" sz="quarter" idx="12"/>
-          </p:nvPr>
-        </p:nvSpPr>
-        <p:spPr/>
-        <p:txBody>
-          <a:bodyPr/>
-          <a:lstStyle/>
-          <a:p>
-            <a:r>
-              <a:rPr lang="en-GB"/>
-              <a:t>Bachelor Thesis Proposal | Rafaela Rolim Santana | 29.01.2025</a:t>
-            </a:r>
-            <a:endParaRPr lang="en-GB" dirty="0"/>
-          </a:p>
-        </p:txBody>
-      </p:sp>
-      <p:sp>
-        <p:nvSpPr>
-          <p:cNvPr id="5" name="Slide Number Placeholder 4">
-            <a:extLst>
-              <a:ext uri="{FF2B5EF4-FFF2-40B4-BE49-F238E27FC236}">
-                <a16:creationId xmlns:a16="http://schemas.microsoft.com/office/drawing/2014/main" id="{1B5ABD8E-B11C-7EDD-1088-0274B98047B4}"/>
-              </a:ext>
-            </a:extLst>
-          </p:cNvPr>
-          <p:cNvSpPr>
-            <a:spLocks noGrp="1"/>
-          </p:cNvSpPr>
-          <p:nvPr>
-            <p:ph type="sldNum" sz="quarter" idx="13"/>
-          </p:nvPr>
-        </p:nvSpPr>
-        <p:spPr/>
-        <p:txBody>
-          <a:bodyPr/>
-          <a:lstStyle/>
-          <a:p>
-            <a:fld id="{9C057DB4-583E-41A7-BD94-987342018C17}" type="slidenum">
-              <a:rPr lang="en-GB" smtClean="0"/>
-              <a:pPr/>
-              <a:t>10</a:t>
-            </a:fld>
-            <a:endParaRPr lang="en-GB" dirty="0"/>
-          </a:p>
-        </p:txBody>
-      </p:sp>
-      <p:sp>
-        <p:nvSpPr>
-          <p:cNvPr id="6" name="TextBox 5">
-            <a:extLst>
-              <a:ext uri="{FF2B5EF4-FFF2-40B4-BE49-F238E27FC236}">
-                <a16:creationId xmlns:a16="http://schemas.microsoft.com/office/drawing/2014/main" id="{044EF561-F163-2986-D658-251AF65031FE}"/>
-              </a:ext>
-            </a:extLst>
-          </p:cNvPr>
-          <p:cNvSpPr txBox="1"/>
-          <p:nvPr/>
-        </p:nvSpPr>
-        <p:spPr>
-          <a:xfrm>
-            <a:off x="6852213" y="1944547"/>
-            <a:ext cx="0" cy="0"/>
-          </a:xfrm>
-          <a:prstGeom prst="rect">
-            <a:avLst/>
-          </a:prstGeom>
-        </p:spPr>
-        <p:txBody>
-          <a:bodyPr vert="horz" wrap="none" lIns="91440" tIns="45720" rIns="91440" bIns="45720" rtlCol="0" anchor="t">
-            <a:normAutofit fontScale="25000" lnSpcReduction="20000"/>
-          </a:bodyPr>
-          <a:lstStyle/>
-          <a:p>
-            <a:pPr algn="l"/>
-            <a:endParaRPr lang="en-AT" sz="2800" dirty="0"/>
-          </a:p>
-        </p:txBody>
-      </p:sp>
-      <p:pic>
-        <p:nvPicPr>
-          <p:cNvPr id="9" name="Picture 8">
-            <a:extLst>
-              <a:ext uri="{FF2B5EF4-FFF2-40B4-BE49-F238E27FC236}">
-                <a16:creationId xmlns:a16="http://schemas.microsoft.com/office/drawing/2014/main" id="{52E297DB-5473-33F1-48D9-6D8010899D40}"/>
-              </a:ext>
-            </a:extLst>
-          </p:cNvPr>
-          <p:cNvPicPr>
-            <a:picLocks noChangeAspect="1"/>
-          </p:cNvPicPr>
-          <p:nvPr/>
-        </p:nvPicPr>
-        <p:blipFill>
-          <a:blip r:embed="rId2"/>
-          <a:stretch>
-            <a:fillRect/>
-          </a:stretch>
-        </p:blipFill>
-        <p:spPr>
-          <a:xfrm>
-            <a:off x="1687438" y="627761"/>
-            <a:ext cx="5756622" cy="4007060"/>
-          </a:xfrm>
-          <a:prstGeom prst="rect">
-            <a:avLst/>
-          </a:prstGeom>
-        </p:spPr>
-      </p:pic>
-    </p:spTree>
-    <p:extLst>
-      <p:ext uri="{BB962C8B-B14F-4D97-AF65-F5344CB8AC3E}">
-        <p14:creationId xmlns:p14="http://schemas.microsoft.com/office/powerpoint/2010/main" val="1234767164"/>
-      </p:ext>
-    </p:extLst>
-  </p:cSld>
-  <p:clrMapOvr>
-    <a:masterClrMapping/>
-  </p:clrMapOvr>
-</p:sld>
-</file>
-
-<file path=ppt/slides/slide11.xml><?xml version="1.0" encoding="utf-8"?>
-<p:sld xmlns:a="http://schemas.openxmlformats.org/drawingml/2006/main" xmlns:r="http://schemas.openxmlformats.org/officeDocument/2006/relationships" xmlns:p="http://schemas.openxmlformats.org/presentationml/2006/main">
-  <p:cSld>
-    <p:spTree>
-      <p:nvGrpSpPr>
-        <p:cNvPr id="1" name="">
-          <a:extLst>
-            <a:ext uri="{FF2B5EF4-FFF2-40B4-BE49-F238E27FC236}">
-              <a16:creationId xmlns:a16="http://schemas.microsoft.com/office/drawing/2014/main" id="{FAB0F2E0-1CE4-B2F7-770A-47FC164984B1}"/>
-            </a:ext>
-          </a:extLst>
-        </p:cNvPr>
-        <p:cNvGrpSpPr/>
-        <p:nvPr/>
-      </p:nvGrpSpPr>
-      <p:grpSpPr>
-        <a:xfrm>
-          <a:off x="0" y="0"/>
-          <a:ext cx="0" cy="0"/>
-          <a:chOff x="0" y="0"/>
-          <a:chExt cx="0" cy="0"/>
-        </a:xfrm>
-      </p:grpSpPr>
-      <p:sp>
-        <p:nvSpPr>
-          <p:cNvPr id="2" name="Title 1">
-            <a:extLst>
-              <a:ext uri="{FF2B5EF4-FFF2-40B4-BE49-F238E27FC236}">
-                <a16:creationId xmlns:a16="http://schemas.microsoft.com/office/drawing/2014/main" id="{92395535-C7A9-A7E5-3D19-9740462D57A6}"/>
-              </a:ext>
-            </a:extLst>
-          </p:cNvPr>
-          <p:cNvSpPr>
-            <a:spLocks noGrp="1"/>
-          </p:cNvSpPr>
-          <p:nvPr>
-            <p:ph type="title"/>
-          </p:nvPr>
-        </p:nvSpPr>
-        <p:spPr/>
-        <p:txBody>
-          <a:bodyPr>
-            <a:normAutofit fontScale="90000"/>
-          </a:bodyPr>
-          <a:lstStyle/>
-          <a:p>
-            <a:r>
-              <a:rPr lang="en-AT" dirty="0"/>
-              <a:t>Primary Results: Initial vs Final Answer Performance</a:t>
-            </a:r>
-          </a:p>
-        </p:txBody>
-      </p:sp>
-      <p:sp>
-        <p:nvSpPr>
-          <p:cNvPr id="4" name="Footer Placeholder 3">
-            <a:extLst>
-              <a:ext uri="{FF2B5EF4-FFF2-40B4-BE49-F238E27FC236}">
-                <a16:creationId xmlns:a16="http://schemas.microsoft.com/office/drawing/2014/main" id="{1385CC71-832D-B439-C1C2-259CC3721E95}"/>
-              </a:ext>
-            </a:extLst>
-          </p:cNvPr>
-          <p:cNvSpPr>
-            <a:spLocks noGrp="1"/>
-          </p:cNvSpPr>
-          <p:nvPr>
-            <p:ph type="ftr" sz="quarter" idx="12"/>
-          </p:nvPr>
-        </p:nvSpPr>
-        <p:spPr/>
-        <p:txBody>
-          <a:bodyPr/>
-          <a:lstStyle/>
-          <a:p>
-            <a:r>
-              <a:rPr lang="en-GB"/>
-              <a:t>Bachelor Thesis Proposal | Rafaela Rolim Santana | 29.01.2025</a:t>
-            </a:r>
-            <a:endParaRPr lang="en-GB" dirty="0"/>
-          </a:p>
-        </p:txBody>
-      </p:sp>
-      <p:sp>
-        <p:nvSpPr>
-          <p:cNvPr id="5" name="Slide Number Placeholder 4">
-            <a:extLst>
-              <a:ext uri="{FF2B5EF4-FFF2-40B4-BE49-F238E27FC236}">
-                <a16:creationId xmlns:a16="http://schemas.microsoft.com/office/drawing/2014/main" id="{844B6FFE-383A-21CF-0716-0A2311739B98}"/>
-              </a:ext>
-            </a:extLst>
-          </p:cNvPr>
-          <p:cNvSpPr>
-            <a:spLocks noGrp="1"/>
-          </p:cNvSpPr>
-          <p:nvPr>
-            <p:ph type="sldNum" sz="quarter" idx="13"/>
-          </p:nvPr>
-        </p:nvSpPr>
-        <p:spPr/>
-        <p:txBody>
-          <a:bodyPr/>
-          <a:lstStyle/>
-          <a:p>
-            <a:fld id="{9C057DB4-583E-41A7-BD94-987342018C17}" type="slidenum">
-              <a:rPr lang="en-GB" smtClean="0"/>
-              <a:pPr/>
-              <a:t>11</a:t>
-            </a:fld>
-            <a:endParaRPr lang="en-GB" dirty="0"/>
-          </a:p>
-        </p:txBody>
-      </p:sp>
-      <p:sp>
-        <p:nvSpPr>
-          <p:cNvPr id="6" name="TextBox 5">
-            <a:extLst>
-              <a:ext uri="{FF2B5EF4-FFF2-40B4-BE49-F238E27FC236}">
-                <a16:creationId xmlns:a16="http://schemas.microsoft.com/office/drawing/2014/main" id="{281D70D0-A425-C07C-B287-C3C44D1A99C2}"/>
-              </a:ext>
-            </a:extLst>
-          </p:cNvPr>
-          <p:cNvSpPr txBox="1"/>
-          <p:nvPr/>
-        </p:nvSpPr>
-        <p:spPr>
-          <a:xfrm>
-            <a:off x="6852213" y="1944547"/>
-            <a:ext cx="0" cy="0"/>
-          </a:xfrm>
-          <a:prstGeom prst="rect">
-            <a:avLst/>
-          </a:prstGeom>
-        </p:spPr>
-        <p:txBody>
-          <a:bodyPr vert="horz" wrap="none" lIns="91440" tIns="45720" rIns="91440" bIns="45720" rtlCol="0" anchor="t">
-            <a:normAutofit fontScale="25000" lnSpcReduction="20000"/>
-          </a:bodyPr>
-          <a:lstStyle/>
-          <a:p>
-            <a:pPr algn="l"/>
-            <a:endParaRPr lang="en-AT" sz="2800" dirty="0"/>
-          </a:p>
-        </p:txBody>
-      </p:sp>
-      <p:pic>
-        <p:nvPicPr>
-          <p:cNvPr id="7" name="Picture 6">
-            <a:extLst>
-              <a:ext uri="{FF2B5EF4-FFF2-40B4-BE49-F238E27FC236}">
-                <a16:creationId xmlns:a16="http://schemas.microsoft.com/office/drawing/2014/main" id="{114EB682-4ED3-64F2-57C0-60619675039B}"/>
-              </a:ext>
-            </a:extLst>
-          </p:cNvPr>
-          <p:cNvPicPr>
-            <a:picLocks noChangeAspect="1"/>
-          </p:cNvPicPr>
-          <p:nvPr/>
-        </p:nvPicPr>
-        <p:blipFill>
-          <a:blip r:embed="rId2"/>
-          <a:stretch>
-            <a:fillRect/>
-          </a:stretch>
-        </p:blipFill>
-        <p:spPr>
-          <a:xfrm>
-            <a:off x="931873" y="478780"/>
-            <a:ext cx="7271574" cy="4185939"/>
-          </a:xfrm>
-          <a:prstGeom prst="rect">
-            <a:avLst/>
-          </a:prstGeom>
-        </p:spPr>
-      </p:pic>
-    </p:spTree>
-    <p:extLst>
-      <p:ext uri="{BB962C8B-B14F-4D97-AF65-F5344CB8AC3E}">
-        <p14:creationId xmlns:p14="http://schemas.microsoft.com/office/powerpoint/2010/main" val="1810696329"/>
-      </p:ext>
-    </p:extLst>
-  </p:cSld>
-  <p:clrMapOvr>
-    <a:masterClrMapping/>
-  </p:clrMapOvr>
-</p:sld>
-</file>
-
-<file path=ppt/slides/slide12.xml><?xml version="1.0" encoding="utf-8"?>
-<p:sld xmlns:a="http://schemas.openxmlformats.org/drawingml/2006/main" xmlns:r="http://schemas.openxmlformats.org/officeDocument/2006/relationships" xmlns:p="http://schemas.openxmlformats.org/presentationml/2006/main">
-  <p:cSld>
-    <p:spTree>
-      <p:nvGrpSpPr>
         <p:cNvPr id="1" name=""/>
         <p:cNvGrpSpPr/>
         <p:nvPr/>
@@ -6049,39 +5673,228 @@
         </p:nvSpPr>
         <p:spPr>
           <a:xfrm>
-            <a:off x="180001" y="896112"/>
+            <a:off x="180001" y="691056"/>
             <a:ext cx="8775319" cy="3761387"/>
           </a:xfrm>
         </p:spPr>
         <p:txBody>
           <a:bodyPr>
-            <a:normAutofit/>
+            <a:noAutofit/>
           </a:bodyPr>
           <a:lstStyle/>
           <a:p>
-            <a:r>
-              <a:rPr lang="en-GB" b="1" dirty="0"/>
-              <a:t>Expected Contribution</a:t>
-            </a:r>
-            <a:r>
-              <a:rPr lang="en-GB" dirty="0"/>
-              <a:t>: Recommendations about the use of prompting techniques in educational settings</a:t>
-            </a:r>
+            <a:pPr>
+              <a:buNone/>
+            </a:pPr>
+            <a:r>
+              <a:rPr lang="en-AT" sz="1600" b="1" dirty="0">
+                <a:effectLst/>
+                <a:latin typeface="+mn-lt"/>
+                <a:ea typeface="Times New Roman" panose="02020603050405020304" pitchFamily="18" charset="0"/>
+              </a:rPr>
+              <a:t>RQ1</a:t>
+            </a:r>
+            <a:r>
+              <a:rPr lang="en-AT" sz="1600" dirty="0">
+                <a:effectLst/>
+                <a:latin typeface="+mn-lt"/>
+                <a:ea typeface="Times New Roman" panose="02020603050405020304" pitchFamily="18" charset="0"/>
+              </a:rPr>
+              <a:t>: </a:t>
+            </a:r>
+            <a:r>
+              <a:rPr lang="en-AT" sz="1600" i="1" dirty="0">
+                <a:solidFill>
+                  <a:schemeClr val="tx1">
+                    <a:lumMod val="50000"/>
+                    <a:lumOff val="50000"/>
+                  </a:schemeClr>
+                </a:solidFill>
+                <a:effectLst/>
+                <a:latin typeface="+mn-lt"/>
+                <a:ea typeface="Times New Roman" panose="02020603050405020304" pitchFamily="18" charset="0"/>
+              </a:rPr>
+              <a:t>How does the application of Chain-of-Thought, Chain-of-Verification and Self-Refine prompting techniques affect LLM response accuracy on Brazilian University Entrance Exams? </a:t>
+            </a:r>
+            <a:endParaRPr lang="en-AT" sz="1600" dirty="0">
+              <a:solidFill>
+                <a:schemeClr val="tx1">
+                  <a:lumMod val="50000"/>
+                  <a:lumOff val="50000"/>
+                </a:schemeClr>
+              </a:solidFill>
+              <a:effectLst/>
+              <a:latin typeface="+mn-lt"/>
+              <a:ea typeface="Times New Roman" panose="02020603050405020304" pitchFamily="18" charset="0"/>
+            </a:endParaRPr>
+          </a:p>
+          <a:p>
+            <a:pPr>
+              <a:buNone/>
+            </a:pPr>
+            <a:r>
+              <a:rPr lang="en-AT" sz="1600" b="1" dirty="0">
+                <a:effectLst/>
+                <a:latin typeface="+mn-lt"/>
+                <a:ea typeface="Times New Roman" panose="02020603050405020304" pitchFamily="18" charset="0"/>
+              </a:rPr>
+              <a:t>Result: </a:t>
+            </a:r>
+            <a:r>
+              <a:rPr lang="en-GB" sz="1600" dirty="0">
+                <a:latin typeface="+mn-lt"/>
+              </a:rPr>
+              <a:t>No significant difference was found in general accuracy across the methods.</a:t>
+            </a:r>
+          </a:p>
+          <a:p>
+            <a:pPr>
+              <a:buNone/>
+            </a:pPr>
+            <a:endParaRPr lang="en-AT" sz="1600" dirty="0">
+              <a:effectLst/>
+              <a:latin typeface="+mn-lt"/>
+              <a:ea typeface="Times New Roman" panose="02020603050405020304" pitchFamily="18" charset="0"/>
+            </a:endParaRPr>
+          </a:p>
+          <a:p>
+            <a:pPr>
+              <a:buNone/>
+            </a:pPr>
+            <a:r>
+              <a:rPr lang="en-AT" sz="1600" b="1" dirty="0">
+                <a:effectLst/>
+                <a:latin typeface="+mn-lt"/>
+                <a:ea typeface="Times New Roman" panose="02020603050405020304" pitchFamily="18" charset="0"/>
+              </a:rPr>
+              <a:t>RQ2</a:t>
+            </a:r>
+            <a:r>
+              <a:rPr lang="en-AT" sz="1600" dirty="0">
+                <a:effectLst/>
+                <a:latin typeface="+mn-lt"/>
+                <a:ea typeface="Times New Roman" panose="02020603050405020304" pitchFamily="18" charset="0"/>
+              </a:rPr>
+              <a:t>: </a:t>
+            </a:r>
+            <a:r>
+              <a:rPr lang="en-AT" sz="1600" i="1" dirty="0">
+                <a:solidFill>
+                  <a:schemeClr val="tx1">
+                    <a:lumMod val="50000"/>
+                    <a:lumOff val="50000"/>
+                  </a:schemeClr>
+                </a:solidFill>
+                <a:effectLst/>
+                <a:latin typeface="+mn-lt"/>
+                <a:ea typeface="Times New Roman" panose="02020603050405020304" pitchFamily="18" charset="0"/>
+              </a:rPr>
+              <a:t>How does the effectiveness of Chain-of-Thought, Chain-of-Verification, and Self-Refine prompting techniques vary across different subject areas?</a:t>
+            </a:r>
+            <a:endParaRPr lang="en-AT" sz="1600" dirty="0">
+              <a:solidFill>
+                <a:schemeClr val="tx1">
+                  <a:lumMod val="50000"/>
+                  <a:lumOff val="50000"/>
+                </a:schemeClr>
+              </a:solidFill>
+              <a:effectLst/>
+              <a:latin typeface="+mn-lt"/>
+              <a:ea typeface="Times New Roman" panose="02020603050405020304" pitchFamily="18" charset="0"/>
+            </a:endParaRPr>
+          </a:p>
+          <a:p>
+            <a:pPr>
+              <a:buNone/>
+            </a:pPr>
+            <a:r>
+              <a:rPr lang="en-AT" sz="1600" b="1" dirty="0">
+                <a:effectLst/>
+                <a:latin typeface="+mn-lt"/>
+                <a:ea typeface="Times New Roman" panose="02020603050405020304" pitchFamily="18" charset="0"/>
+              </a:rPr>
+              <a:t>Result: </a:t>
+            </a:r>
+            <a:r>
+              <a:rPr lang="en-GB" sz="1600" dirty="0">
+                <a:latin typeface="+mn-lt"/>
+              </a:rPr>
+              <a:t>CoT outperforms CoVe and Self-Refine in Mathematics and Human Sciences.</a:t>
+            </a:r>
+          </a:p>
+          <a:p>
+            <a:pPr>
+              <a:buNone/>
+            </a:pPr>
+            <a:endParaRPr lang="en-AT" sz="1600" dirty="0">
+              <a:effectLst/>
+              <a:latin typeface="+mn-lt"/>
+              <a:ea typeface="Times New Roman" panose="02020603050405020304" pitchFamily="18" charset="0"/>
+            </a:endParaRPr>
           </a:p>
           <a:p>
             <a:pPr marL="0" indent="0">
               <a:buNone/>
             </a:pPr>
-            <a:endParaRPr lang="en-GB" dirty="0"/>
-          </a:p>
-          <a:p>
-            <a:r>
-              <a:rPr lang="en-GB" b="1" dirty="0"/>
-              <a:t>Aimed Impact</a:t>
-            </a:r>
-            <a:r>
-              <a:rPr lang="en-GB" dirty="0"/>
-              <a:t>: Supporting the reliable use of AI in education.</a:t>
+            <a:r>
+              <a:rPr lang="en-AT" sz="1600" b="1" dirty="0">
+                <a:effectLst/>
+                <a:latin typeface="+mn-lt"/>
+                <a:ea typeface="Times New Roman" panose="02020603050405020304" pitchFamily="18" charset="0"/>
+              </a:rPr>
+              <a:t>RQ3:</a:t>
+            </a:r>
+            <a:r>
+              <a:rPr lang="en-AT" sz="1600" dirty="0">
+                <a:effectLst/>
+                <a:latin typeface="+mn-lt"/>
+                <a:ea typeface="Times New Roman" panose="02020603050405020304" pitchFamily="18" charset="0"/>
+              </a:rPr>
+              <a:t> </a:t>
+            </a:r>
+            <a:r>
+              <a:rPr lang="en-AT" sz="1600" i="1" dirty="0">
+                <a:solidFill>
+                  <a:schemeClr val="tx1">
+                    <a:lumMod val="50000"/>
+                    <a:lumOff val="50000"/>
+                  </a:schemeClr>
+                </a:solidFill>
+                <a:effectLst/>
+                <a:latin typeface="+mn-lt"/>
+                <a:ea typeface="Times New Roman" panose="02020603050405020304" pitchFamily="18" charset="0"/>
+              </a:rPr>
+              <a:t>How consistent are the predictions of Chain-of-Thought, Chain-of-Verification, and Self-Refine methods across repeated runs?</a:t>
+            </a:r>
+            <a:endParaRPr lang="en-AT" sz="1600" dirty="0">
+              <a:solidFill>
+                <a:schemeClr val="tx1">
+                  <a:lumMod val="50000"/>
+                  <a:lumOff val="50000"/>
+                </a:schemeClr>
+              </a:solidFill>
+              <a:effectLst/>
+              <a:latin typeface="+mn-lt"/>
+              <a:ea typeface="Times New Roman" panose="02020603050405020304" pitchFamily="18" charset="0"/>
+            </a:endParaRPr>
+          </a:p>
+          <a:p>
+            <a:pPr marL="0" indent="0">
+              <a:buNone/>
+            </a:pPr>
+            <a:r>
+              <a:rPr lang="en-AT" sz="1600" b="1" dirty="0">
+                <a:effectLst/>
+                <a:latin typeface="+mn-lt"/>
+                <a:ea typeface="Times New Roman" panose="02020603050405020304" pitchFamily="18" charset="0"/>
+              </a:rPr>
+              <a:t>Result: </a:t>
+            </a:r>
+            <a:r>
+              <a:rPr lang="en-GB" sz="1600" dirty="0">
+                <a:latin typeface="+mn-lt"/>
+              </a:rPr>
+              <a:t>CoT is significantly more consistent overall, as well as in Human Sciences and Languages.</a:t>
             </a:r>
           </a:p>
         </p:txBody>
@@ -6139,7 +5952,7 @@
             <a:fld id="{9C057DB4-583E-41A7-BD94-987342018C17}" type="slidenum">
               <a:rPr lang="en-GB" smtClean="0"/>
               <a:pPr/>
-              <a:t>12</a:t>
+              <a:t>10</a:t>
             </a:fld>
             <a:endParaRPr lang="en-GB" dirty="0"/>
           </a:p>
@@ -6158,7 +5971,7 @@
 </p:sld>
 </file>
 
-<file path=ppt/slides/slide13.xml><?xml version="1.0" encoding="utf-8"?>
+<file path=ppt/slides/slide11.xml><?xml version="1.0" encoding="utf-8"?>
 <p:sld xmlns:a="http://schemas.openxmlformats.org/drawingml/2006/main" xmlns:r="http://schemas.openxmlformats.org/officeDocument/2006/relationships" xmlns:p="http://schemas.openxmlformats.org/presentationml/2006/main">
   <p:cSld>
     <p:spTree>
@@ -6334,13 +6147,7 @@
           <a:p>
             <a:r>
               <a:rPr lang="en-US" dirty="0"/>
-              <a:t>Preliminary Results</a:t>
-            </a:r>
-          </a:p>
-          <a:p>
-            <a:r>
-              <a:rPr lang="en-US" dirty="0"/>
-              <a:t>Discussion</a:t>
+              <a:t>Results</a:t>
             </a:r>
           </a:p>
         </p:txBody>
@@ -6518,20 +6325,57 @@
             </a:r>
           </a:p>
           <a:p>
-            <a:pPr>
-              <a:buFont typeface="Arial" panose="020B0604020202020204" pitchFamily="34" charset="0"/>
-              <a:buChar char="•"/>
-            </a:pPr>
-            <a:r>
-              <a:rPr lang="en-GB" dirty="0"/>
-              <a:t>Incorrect answers may confuse students and hinder their learning outcomes</a:t>
-            </a:r>
+            <a:r>
+              <a:rPr lang="en-AT" dirty="0">
+                <a:effectLst/>
+                <a:latin typeface="+mn-lt"/>
+                <a:ea typeface="Times New Roman" panose="02020603050405020304" pitchFamily="18" charset="0"/>
+              </a:rPr>
+              <a:t>Vulnerability to absorb incorrect information with full confidence</a:t>
+            </a:r>
+            <a:r>
+              <a:rPr lang="en-AT" dirty="0">
+                <a:effectLst/>
+                <a:latin typeface="+mn-lt"/>
+              </a:rPr>
+              <a:t> </a:t>
+            </a:r>
+            <a:endParaRPr lang="en-GB" dirty="0">
+              <a:latin typeface="+mn-lt"/>
+            </a:endParaRPr>
           </a:p>
           <a:p>
             <a:pPr marL="0" indent="0">
               <a:buNone/>
             </a:pPr>
-            <a:endParaRPr lang="en-AT" dirty="0"/>
+            <a:endParaRPr lang="en-GB" dirty="0"/>
+          </a:p>
+          <a:p>
+            <a:pPr marL="0" indent="0">
+              <a:buNone/>
+            </a:pPr>
+            <a:r>
+              <a:rPr lang="en-AT" i="1" dirty="0">
+                <a:ea typeface="Times New Roman" panose="02020603050405020304" pitchFamily="18" charset="0"/>
+              </a:rPr>
+              <a:t>H</a:t>
+            </a:r>
+            <a:r>
+              <a:rPr lang="en-AT" i="1" dirty="0">
+                <a:effectLst/>
+                <a:ea typeface="Times New Roman" panose="02020603050405020304" pitchFamily="18" charset="0"/>
+              </a:rPr>
+              <a:t>ow can we reduce hallucinations in LLMs in a way that is simple and accessible to students?</a:t>
+            </a:r>
+            <a:r>
+              <a:rPr lang="en-AT" i="1" dirty="0">
+                <a:effectLst/>
+                <a:latin typeface="Times New Roman" panose="02020603050405020304" pitchFamily="18" charset="0"/>
+                <a:ea typeface="Times New Roman" panose="02020603050405020304" pitchFamily="18" charset="0"/>
+              </a:rPr>
+              <a:t> </a:t>
+            </a:r>
+            <a:endParaRPr lang="en-AT" i="1" dirty="0"/>
           </a:p>
           <a:p>
             <a:pPr marL="0" indent="0">
@@ -6838,47 +6682,132 @@
           </a:bodyPr>
           <a:lstStyle/>
           <a:p>
+            <a:pPr>
+              <a:buNone/>
+            </a:pPr>
+            <a:r>
+              <a:rPr lang="en-AT" sz="1800" b="1" dirty="0">
+                <a:effectLst/>
+                <a:latin typeface="+mn-lt"/>
+                <a:ea typeface="Times New Roman" panose="02020603050405020304" pitchFamily="18" charset="0"/>
+              </a:rPr>
+              <a:t>RQ1</a:t>
+            </a:r>
+            <a:r>
+              <a:rPr lang="en-AT" sz="1800" dirty="0">
+                <a:effectLst/>
+                <a:latin typeface="+mn-lt"/>
+                <a:ea typeface="Times New Roman" panose="02020603050405020304" pitchFamily="18" charset="0"/>
+              </a:rPr>
+              <a:t>: </a:t>
+            </a:r>
+            <a:r>
+              <a:rPr lang="en-AT" sz="1800" i="1" dirty="0">
+                <a:effectLst/>
+                <a:latin typeface="+mn-lt"/>
+                <a:ea typeface="Times New Roman" panose="02020603050405020304" pitchFamily="18" charset="0"/>
+              </a:rPr>
+              <a:t>How does the application of Chain-of-Thought, Chain-of-Verification and Self-Refine prompting techniques affect LLM response accuracy on Brazilian University Entrance Exams? </a:t>
+            </a:r>
+            <a:endParaRPr lang="en-AT" sz="1800" dirty="0">
+              <a:effectLst/>
+              <a:latin typeface="+mn-lt"/>
+              <a:ea typeface="Times New Roman" panose="02020603050405020304" pitchFamily="18" charset="0"/>
+            </a:endParaRPr>
+          </a:p>
+          <a:p>
+            <a:pPr>
+              <a:buNone/>
+            </a:pPr>
+            <a:r>
+              <a:rPr lang="en-AT" sz="1800" dirty="0">
+                <a:effectLst/>
+                <a:latin typeface="+mn-lt"/>
+                <a:ea typeface="Times New Roman" panose="02020603050405020304" pitchFamily="18" charset="0"/>
+              </a:rPr>
+              <a:t> </a:t>
+            </a:r>
+          </a:p>
+          <a:p>
+            <a:pPr>
+              <a:buNone/>
+            </a:pPr>
+            <a:r>
+              <a:rPr lang="en-AT" sz="1800" b="1" dirty="0">
+                <a:effectLst/>
+                <a:latin typeface="+mn-lt"/>
+                <a:ea typeface="Times New Roman" panose="02020603050405020304" pitchFamily="18" charset="0"/>
+              </a:rPr>
+              <a:t>RQ2</a:t>
+            </a:r>
+            <a:r>
+              <a:rPr lang="en-AT" sz="1800" dirty="0">
+                <a:effectLst/>
+                <a:latin typeface="+mn-lt"/>
+                <a:ea typeface="Times New Roman" panose="02020603050405020304" pitchFamily="18" charset="0"/>
+              </a:rPr>
+              <a:t>: </a:t>
+            </a:r>
+            <a:r>
+              <a:rPr lang="en-AT" sz="1800" i="1" dirty="0">
+                <a:effectLst/>
+                <a:latin typeface="+mn-lt"/>
+                <a:ea typeface="Times New Roman" panose="02020603050405020304" pitchFamily="18" charset="0"/>
+              </a:rPr>
+              <a:t>How does the effectiveness of Chain-of-Thought, Chain-of-Verification, and Self-Refine prompting techniques vary across different subject areas?</a:t>
+            </a:r>
+            <a:endParaRPr lang="en-AT" sz="1800" dirty="0">
+              <a:effectLst/>
+              <a:latin typeface="+mn-lt"/>
+              <a:ea typeface="Times New Roman" panose="02020603050405020304" pitchFamily="18" charset="0"/>
+            </a:endParaRPr>
+          </a:p>
+          <a:p>
+            <a:pPr>
+              <a:buNone/>
+            </a:pPr>
+            <a:r>
+              <a:rPr lang="en-AT" sz="1800" dirty="0">
+                <a:effectLst/>
+                <a:latin typeface="+mn-lt"/>
+                <a:ea typeface="Times New Roman" panose="02020603050405020304" pitchFamily="18" charset="0"/>
+              </a:rPr>
+              <a:t> </a:t>
+            </a:r>
+          </a:p>
+          <a:p>
             <a:pPr marL="0" indent="0">
               <a:buNone/>
             </a:pPr>
             <a:r>
-              <a:rPr lang="en-GB" b="1" dirty="0"/>
-              <a:t>RQ1: </a:t>
-            </a:r>
-          </a:p>
-          <a:p>
-            <a:pPr marL="0" indent="0">
-              <a:buNone/>
-            </a:pPr>
-            <a:r>
-              <a:rPr lang="en-GB" dirty="0"/>
-              <a:t>How does the application of Chain-of-Thought, Chain-of-Verification and Self-Refine affect LLM response accuracy on Brazilian University Entrance Exams?</a:t>
-            </a:r>
-          </a:p>
-          <a:p>
-            <a:pPr marL="0" indent="0">
-              <a:buNone/>
-            </a:pPr>
-            <a:endParaRPr lang="en-GB" dirty="0"/>
-          </a:p>
-          <a:p>
-            <a:pPr marL="0" indent="0">
-              <a:buNone/>
-            </a:pPr>
-            <a:r>
-              <a:rPr lang="en-GB" b="1" dirty="0"/>
-              <a:t>RQ2:</a:t>
-            </a:r>
-          </a:p>
-          <a:p>
-            <a:pPr marL="0" indent="0">
-              <a:buNone/>
-            </a:pPr>
-            <a:r>
-              <a:rPr lang="en-GB" dirty="0"/>
-              <a:t>How does the effectiveness of Chain-of-Thought, Chain-of-Verification and Self-Refine vary across different subject areas?</a:t>
-            </a:r>
-            <a:endParaRPr lang="en-AT" dirty="0"/>
+              <a:rPr lang="en-AT" sz="1800" b="1" dirty="0">
+                <a:effectLst/>
+                <a:latin typeface="+mn-lt"/>
+                <a:ea typeface="Times New Roman" panose="02020603050405020304" pitchFamily="18" charset="0"/>
+              </a:rPr>
+              <a:t>RQ3:</a:t>
+            </a:r>
+            <a:r>
+              <a:rPr lang="en-AT" sz="1800" dirty="0">
+                <a:effectLst/>
+                <a:latin typeface="+mn-lt"/>
+                <a:ea typeface="Times New Roman" panose="02020603050405020304" pitchFamily="18" charset="0"/>
+              </a:rPr>
+              <a:t> </a:t>
+            </a:r>
+            <a:r>
+              <a:rPr lang="en-AT" sz="1800" i="1" dirty="0">
+                <a:effectLst/>
+                <a:latin typeface="+mn-lt"/>
+                <a:ea typeface="Times New Roman" panose="02020603050405020304" pitchFamily="18" charset="0"/>
+              </a:rPr>
+              <a:t>How consistent are the predictions of Chain-of-Thought, Chain-of-Verification, and Self-Refine methods across repeated runs?</a:t>
+            </a:r>
+            <a:endParaRPr lang="en-AT" sz="1800" dirty="0">
+              <a:effectLst/>
+              <a:latin typeface="+mn-lt"/>
+              <a:ea typeface="Times New Roman" panose="02020603050405020304" pitchFamily="18" charset="0"/>
+            </a:endParaRPr>
           </a:p>
           <a:p>
             <a:pPr marL="0" indent="0">
@@ -7317,10 +7246,10 @@
       </p:sp>
       <p:pic>
         <p:nvPicPr>
-          <p:cNvPr id="7" name="Picture 6">
-            <a:extLst>
-              <a:ext uri="{FF2B5EF4-FFF2-40B4-BE49-F238E27FC236}">
-                <a16:creationId xmlns:a16="http://schemas.microsoft.com/office/drawing/2014/main" id="{A6D2B966-7BB5-CA36-068C-6D4400A2259B}"/>
+          <p:cNvPr id="3" name="Picture 2">
+            <a:extLst>
+              <a:ext uri="{FF2B5EF4-FFF2-40B4-BE49-F238E27FC236}">
+                <a16:creationId xmlns:a16="http://schemas.microsoft.com/office/drawing/2014/main" id="{0DA95ACF-5969-1522-4252-384E5672E492}"/>
               </a:ext>
             </a:extLst>
           </p:cNvPr>
@@ -7337,8 +7266,8 @@
         </p:blipFill>
         <p:spPr>
           <a:xfrm>
-            <a:off x="250302" y="863716"/>
-            <a:ext cx="8634715" cy="3638527"/>
+            <a:off x="685800" y="856765"/>
+            <a:ext cx="7772400" cy="3429970"/>
           </a:xfrm>
           <a:prstGeom prst="rect">
             <a:avLst/>
@@ -7429,12 +7358,12 @@
         </p:spPr>
         <p:txBody>
           <a:bodyPr>
-            <a:normAutofit lnSpcReduction="10000"/>
+            <a:normAutofit fontScale="85000" lnSpcReduction="20000"/>
           </a:bodyPr>
           <a:lstStyle/>
           <a:p>
             <a:r>
-              <a:rPr lang="en-AT" dirty="0"/>
+              <a:rPr lang="en-AT" sz="2200" dirty="0"/>
               <a:t>Collect questions from Brazilian University Entrance Exam (ENEM 2024)</a:t>
             </a:r>
           </a:p>
@@ -7443,7 +7372,7 @@
               <a:buNone/>
             </a:pPr>
             <a:r>
-              <a:rPr lang="en-AT" dirty="0">
+              <a:rPr lang="en-AT" sz="2200" dirty="0">
                 <a:solidFill>
                   <a:schemeClr val="tx2"/>
                 </a:solidFill>
@@ -7453,7 +7382,7 @@
           </a:p>
           <a:p>
             <a:r>
-              <a:rPr lang="en-AT" dirty="0"/>
+              <a:rPr lang="en-AT" sz="2200" dirty="0"/>
               <a:t>Define templates for CoT, CoVe and Self-Refine prompts</a:t>
             </a:r>
           </a:p>
@@ -7462,7 +7391,7 @@
               <a:buNone/>
             </a:pPr>
             <a:r>
-              <a:rPr lang="en-AT" dirty="0">
+              <a:rPr lang="en-AT" sz="2200" dirty="0">
                 <a:solidFill>
                   <a:schemeClr val="tx2"/>
                 </a:solidFill>
@@ -7472,7 +7401,7 @@
           </a:p>
           <a:p>
             <a:r>
-              <a:rPr lang="en-AT" dirty="0"/>
+              <a:rPr lang="en-AT" sz="2200" dirty="0"/>
               <a:t>Test each prompting technique several times</a:t>
             </a:r>
           </a:p>
@@ -7481,21 +7410,21 @@
               <a:buNone/>
             </a:pPr>
             <a:r>
-              <a:rPr lang="en-AT" sz="1800" dirty="0">
+              <a:rPr lang="en-AT" sz="2200" dirty="0">
                 <a:solidFill>
                   <a:schemeClr val="tx2"/>
                 </a:solidFill>
               </a:rPr>
               <a:t>	Using the same 180 ENEM questions</a:t>
             </a:r>
-            <a:endParaRPr lang="en-AT" dirty="0"/>
+            <a:endParaRPr lang="en-AT" sz="2200" dirty="0"/>
           </a:p>
           <a:p>
             <a:pPr marL="0" indent="0">
               <a:buNone/>
             </a:pPr>
             <a:r>
-              <a:rPr lang="en-AT" sz="1800" dirty="0">
+              <a:rPr lang="en-AT" sz="2200" dirty="0">
                 <a:solidFill>
                   <a:schemeClr val="tx2"/>
                 </a:solidFill>
@@ -7505,7 +7434,7 @@
           </a:p>
           <a:p>
             <a:r>
-              <a:rPr lang="en-AT" dirty="0"/>
+              <a:rPr lang="en-AT" sz="2200" dirty="0"/>
               <a:t>Compare methods’ accuracy across test runs</a:t>
             </a:r>
           </a:p>
@@ -7514,7 +7443,7 @@
               <a:buNone/>
             </a:pPr>
             <a:r>
-              <a:rPr lang="en-AT" dirty="0">
+              <a:rPr lang="en-AT" sz="2200" dirty="0">
                 <a:solidFill>
                   <a:schemeClr val="tx2"/>
                 </a:solidFill>
@@ -7524,8 +7453,28 @@
           </a:p>
           <a:p>
             <a:r>
-              <a:rPr lang="en-AT" dirty="0"/>
+              <a:rPr lang="en-AT" sz="2200" dirty="0"/>
               <a:t>Compare accuracy across different subjects</a:t>
+            </a:r>
+          </a:p>
+          <a:p>
+            <a:pPr marL="0" indent="0">
+              <a:buNone/>
+            </a:pPr>
+            <a:r>
+              <a:rPr lang="en-AT" sz="2200" dirty="0">
+                <a:solidFill>
+                  <a:schemeClr val="tx2"/>
+                </a:solidFill>
+              </a:rPr>
+              <a:t>	Languages, Mathematics, Human Sciences and Natural Sciences</a:t>
+            </a:r>
+            <a:endParaRPr lang="en-AT" sz="2200" dirty="0"/>
+          </a:p>
+          <a:p>
+            <a:r>
+              <a:rPr lang="en-AT" sz="2200" dirty="0"/>
+              <a:t>Compare the methods’ answer consistency test across runs</a:t>
             </a:r>
           </a:p>
           <a:p>
@@ -7533,13 +7482,18 @@
               <a:buNone/>
             </a:pPr>
             <a:r>
-              <a:rPr lang="en-AT" dirty="0">
+              <a:rPr lang="en-AT" sz="1600" dirty="0">
                 <a:solidFill>
                   <a:schemeClr val="tx2"/>
                 </a:solidFill>
               </a:rPr>
-              <a:t>	Languages, Mathematics, Human Sciences and Natural Sciences</a:t>
-            </a:r>
+              <a:t>	</a:t>
+            </a:r>
+          </a:p>
+          <a:p>
+            <a:pPr marL="342891" lvl="1" indent="0">
+              <a:buNone/>
+            </a:pPr>
             <a:endParaRPr lang="en-AT" dirty="0"/>
           </a:p>
           <a:p>
@@ -7671,7 +7625,7 @@
           <a:p>
             <a:r>
               <a:rPr lang="en-AT" dirty="0"/>
-              <a:t>Primary Results: Accuracy mean and std</a:t>
+              <a:t>Results: General Accuracy</a:t>
             </a:r>
           </a:p>
         </p:txBody>
@@ -7767,12 +7721,185 @@
           </a:p>
         </p:txBody>
       </p:sp>
+      <p:sp>
+        <p:nvSpPr>
+          <p:cNvPr id="11" name="TextBox 10">
+            <a:extLst>
+              <a:ext uri="{FF2B5EF4-FFF2-40B4-BE49-F238E27FC236}">
+                <a16:creationId xmlns:a16="http://schemas.microsoft.com/office/drawing/2014/main" id="{875CFF70-75E6-AAA3-2CA6-FFEB7D4BAECC}"/>
+              </a:ext>
+            </a:extLst>
+          </p:cNvPr>
+          <p:cNvSpPr txBox="1"/>
+          <p:nvPr/>
+        </p:nvSpPr>
+        <p:spPr>
+          <a:xfrm>
+            <a:off x="5037127" y="925145"/>
+            <a:ext cx="3990194" cy="3539430"/>
+          </a:xfrm>
+          <a:prstGeom prst="rect">
+            <a:avLst/>
+          </a:prstGeom>
+          <a:noFill/>
+        </p:spPr>
+        <p:txBody>
+          <a:bodyPr wrap="square">
+            <a:spAutoFit/>
+          </a:bodyPr>
+          <a:lstStyle/>
+          <a:p>
+            <a:pPr lvl="0">
+              <a:buSzPts val="1000"/>
+              <a:tabLst>
+                <a:tab pos="457200" algn="l"/>
+              </a:tabLst>
+            </a:pPr>
+            <a:r>
+              <a:rPr lang="en-AT" sz="1600" b="1" dirty="0">
+                <a:effectLst/>
+                <a:ea typeface="Times New Roman" panose="02020603050405020304" pitchFamily="18" charset="0"/>
+              </a:rPr>
+              <a:t>H₀ (Null Hypothesis):</a:t>
+            </a:r>
+            <a:r>
+              <a:rPr lang="en-AT" sz="1600" dirty="0">
+                <a:effectLst/>
+                <a:ea typeface="Times New Roman" panose="02020603050405020304" pitchFamily="18" charset="0"/>
+              </a:rPr>
+              <a:t> </a:t>
+            </a:r>
+          </a:p>
+          <a:p>
+            <a:pPr lvl="0">
+              <a:buSzPts val="1000"/>
+              <a:tabLst>
+                <a:tab pos="457200" algn="l"/>
+              </a:tabLst>
+            </a:pPr>
+            <a:r>
+              <a:rPr lang="en-AT" sz="1600" i="1" dirty="0">
+                <a:effectLst/>
+                <a:ea typeface="Times New Roman" panose="02020603050405020304" pitchFamily="18" charset="0"/>
+              </a:rPr>
+              <a:t>The distributions of accuracy scores across the three prompting methods (CoT, CoVe, and Self-Refine) are the same.</a:t>
+            </a:r>
+          </a:p>
+          <a:p>
+            <a:pPr lvl="0">
+              <a:buSzPts val="1000"/>
+              <a:tabLst>
+                <a:tab pos="457200" algn="l"/>
+              </a:tabLst>
+            </a:pPr>
+            <a:endParaRPr lang="en-AT" sz="1600" dirty="0">
+              <a:effectLst/>
+              <a:ea typeface="Times New Roman" panose="02020603050405020304" pitchFamily="18" charset="0"/>
+            </a:endParaRPr>
+          </a:p>
+          <a:p>
+            <a:pPr lvl="0">
+              <a:buSzPts val="1000"/>
+              <a:tabLst>
+                <a:tab pos="457200" algn="l"/>
+              </a:tabLst>
+            </a:pPr>
+            <a:r>
+              <a:rPr lang="en-AT" sz="1600" b="1" dirty="0">
+                <a:effectLst/>
+                <a:ea typeface="Times New Roman" panose="02020603050405020304" pitchFamily="18" charset="0"/>
+              </a:rPr>
+              <a:t>H₁ (Alternative Hypothesis):</a:t>
+            </a:r>
+            <a:r>
+              <a:rPr lang="en-AT" sz="1600" dirty="0">
+                <a:effectLst/>
+                <a:ea typeface="Times New Roman" panose="02020603050405020304" pitchFamily="18" charset="0"/>
+              </a:rPr>
+              <a:t> </a:t>
+            </a:r>
+          </a:p>
+          <a:p>
+            <a:pPr lvl="0">
+              <a:buSzPts val="1000"/>
+              <a:tabLst>
+                <a:tab pos="457200" algn="l"/>
+              </a:tabLst>
+            </a:pPr>
+            <a:r>
+              <a:rPr lang="en-AT" sz="1600" i="1" dirty="0">
+                <a:effectLst/>
+                <a:ea typeface="Times New Roman" panose="02020603050405020304" pitchFamily="18" charset="0"/>
+              </a:rPr>
+              <a:t>At least one method’s distribution differs significantly from the others.</a:t>
+            </a:r>
+          </a:p>
+          <a:p>
+            <a:pPr lvl="0">
+              <a:buSzPts val="1000"/>
+              <a:tabLst>
+                <a:tab pos="457200" algn="l"/>
+              </a:tabLst>
+            </a:pPr>
+            <a:endParaRPr lang="en-AT" sz="1600" dirty="0">
+              <a:ea typeface="Times New Roman" panose="02020603050405020304" pitchFamily="18" charset="0"/>
+            </a:endParaRPr>
+          </a:p>
+          <a:p>
+            <a:pPr lvl="0">
+              <a:buSzPts val="1000"/>
+              <a:tabLst>
+                <a:tab pos="457200" algn="l"/>
+              </a:tabLst>
+            </a:pPr>
+            <a:r>
+              <a:rPr lang="en-AT" sz="1600" b="1" dirty="0">
+                <a:effectLst/>
+                <a:ea typeface="Times New Roman" panose="02020603050405020304" pitchFamily="18" charset="0"/>
+              </a:rPr>
+              <a:t>Result: Fail to Reject H₀ </a:t>
+            </a:r>
+          </a:p>
+          <a:p>
+            <a:pPr lvl="0">
+              <a:buSzPts val="1000"/>
+              <a:tabLst>
+                <a:tab pos="457200" algn="l"/>
+              </a:tabLst>
+            </a:pPr>
+            <a:r>
+              <a:rPr lang="en-AT" sz="1600" b="1" dirty="0">
+                <a:ea typeface="Times New Roman" panose="02020603050405020304" pitchFamily="18" charset="0"/>
+              </a:rPr>
+              <a:t>N</a:t>
+            </a:r>
+            <a:r>
+              <a:rPr lang="en-AT" sz="1600" b="1" dirty="0">
+                <a:effectLst/>
+                <a:ea typeface="Times New Roman" panose="02020603050405020304" pitchFamily="18" charset="0"/>
+              </a:rPr>
+              <a:t>o statistically significant evidence</a:t>
+            </a:r>
+            <a:r>
+              <a:rPr lang="en-AT" sz="1600" dirty="0">
+                <a:effectLst/>
+                <a:ea typeface="Times New Roman" panose="02020603050405020304" pitchFamily="18" charset="0"/>
+              </a:rPr>
+              <a:t> to suggest that the three prompting methods differ in their accuracy performance across runs.</a:t>
+            </a:r>
+            <a:endParaRPr lang="en-AT" sz="1600" b="1" dirty="0">
+              <a:effectLst/>
+              <a:ea typeface="Times New Roman" panose="02020603050405020304" pitchFamily="18" charset="0"/>
+            </a:endParaRPr>
+          </a:p>
+        </p:txBody>
+      </p:sp>
       <p:pic>
         <p:nvPicPr>
-          <p:cNvPr id="10" name="Picture 9">
-            <a:extLst>
-              <a:ext uri="{FF2B5EF4-FFF2-40B4-BE49-F238E27FC236}">
-                <a16:creationId xmlns:a16="http://schemas.microsoft.com/office/drawing/2014/main" id="{EDC5200F-3A3B-6307-2931-7CF0F5CC4772}"/>
+          <p:cNvPr id="3" name="Picture 2" descr="A graph of different colored bars&#10;&#10;AI-generated content may be incorrect.">
+            <a:extLst>
+              <a:ext uri="{FF2B5EF4-FFF2-40B4-BE49-F238E27FC236}">
+                <a16:creationId xmlns:a16="http://schemas.microsoft.com/office/drawing/2014/main" id="{1FF04AC8-4951-C4DC-BB47-38ACFD5F8B53}"/>
               </a:ext>
             </a:extLst>
           </p:cNvPr>
@@ -7789,8 +7916,8 @@
         </p:blipFill>
         <p:spPr>
           <a:xfrm>
-            <a:off x="1195010" y="603344"/>
-            <a:ext cx="6753979" cy="3936811"/>
+            <a:off x="180000" y="741094"/>
+            <a:ext cx="4692650" cy="3477260"/>
           </a:xfrm>
           <a:prstGeom prst="rect">
             <a:avLst/>
@@ -7818,7 +7945,7 @@
         <p:cNvPr id="1" name="">
           <a:extLst>
             <a:ext uri="{FF2B5EF4-FFF2-40B4-BE49-F238E27FC236}">
-              <a16:creationId xmlns:a16="http://schemas.microsoft.com/office/drawing/2014/main" id="{15D88D85-C9E1-2B0E-E096-FC1799B6F5CA}"/>
+              <a16:creationId xmlns:a16="http://schemas.microsoft.com/office/drawing/2014/main" id="{383D161C-1C36-1EFB-5B8E-BB53834A86F1}"/>
             </a:ext>
           </a:extLst>
         </p:cNvPr>
@@ -7838,7 +7965,7 @@
           <p:cNvPr id="2" name="Title 1">
             <a:extLst>
               <a:ext uri="{FF2B5EF4-FFF2-40B4-BE49-F238E27FC236}">
-                <a16:creationId xmlns:a16="http://schemas.microsoft.com/office/drawing/2014/main" id="{D3BB106E-A421-52E8-7F78-708DED89D0DC}"/>
+                <a16:creationId xmlns:a16="http://schemas.microsoft.com/office/drawing/2014/main" id="{36E03E75-9C22-44E5-2699-80DC9FDE72FB}"/>
               </a:ext>
             </a:extLst>
           </p:cNvPr>
@@ -7858,7 +7985,7 @@
           <a:p>
             <a:r>
               <a:rPr lang="en-AT" dirty="0"/>
-              <a:t>Primary Results: Feedback effects</a:t>
+              <a:t>Results: Accuracy by Subject</a:t>
             </a:r>
           </a:p>
         </p:txBody>
@@ -7868,7 +7995,7 @@
           <p:cNvPr id="4" name="Footer Placeholder 3">
             <a:extLst>
               <a:ext uri="{FF2B5EF4-FFF2-40B4-BE49-F238E27FC236}">
-                <a16:creationId xmlns:a16="http://schemas.microsoft.com/office/drawing/2014/main" id="{E632B3A0-FCAB-711A-AD97-BDD2D43E8AFA}"/>
+                <a16:creationId xmlns:a16="http://schemas.microsoft.com/office/drawing/2014/main" id="{D129B488-18E7-2609-D885-D1D5003BEEEB}"/>
               </a:ext>
             </a:extLst>
           </p:cNvPr>
@@ -7897,7 +8024,7 @@
           <p:cNvPr id="5" name="Slide Number Placeholder 4">
             <a:extLst>
               <a:ext uri="{FF2B5EF4-FFF2-40B4-BE49-F238E27FC236}">
-                <a16:creationId xmlns:a16="http://schemas.microsoft.com/office/drawing/2014/main" id="{FDB8483A-9A5E-3F22-7FF2-C69770116EAA}"/>
+                <a16:creationId xmlns:a16="http://schemas.microsoft.com/office/drawing/2014/main" id="{145D90E5-8EBF-AA73-FECA-0D0D539554EF}"/>
               </a:ext>
             </a:extLst>
           </p:cNvPr>
@@ -7927,7 +8054,7 @@
           <p:cNvPr id="6" name="TextBox 5">
             <a:extLst>
               <a:ext uri="{FF2B5EF4-FFF2-40B4-BE49-F238E27FC236}">
-                <a16:creationId xmlns:a16="http://schemas.microsoft.com/office/drawing/2014/main" id="{C1E3B76A-0E5C-B1DE-ABB3-1A00692EDDD2}"/>
+                <a16:creationId xmlns:a16="http://schemas.microsoft.com/office/drawing/2014/main" id="{49447080-6793-F76B-9C18-8357B2495883}"/>
               </a:ext>
             </a:extLst>
           </p:cNvPr>
@@ -7954,12 +8081,248 @@
           </a:p>
         </p:txBody>
       </p:sp>
+      <p:sp>
+        <p:nvSpPr>
+          <p:cNvPr id="11" name="TextBox 10">
+            <a:extLst>
+              <a:ext uri="{FF2B5EF4-FFF2-40B4-BE49-F238E27FC236}">
+                <a16:creationId xmlns:a16="http://schemas.microsoft.com/office/drawing/2014/main" id="{C62C12EF-D225-7EE3-6062-E9BFFDD29305}"/>
+              </a:ext>
+            </a:extLst>
+          </p:cNvPr>
+          <p:cNvSpPr txBox="1"/>
+          <p:nvPr/>
+        </p:nvSpPr>
+        <p:spPr>
+          <a:xfrm>
+            <a:off x="5037127" y="463479"/>
+            <a:ext cx="3990194" cy="3985706"/>
+          </a:xfrm>
+          <a:prstGeom prst="rect">
+            <a:avLst/>
+          </a:prstGeom>
+          <a:noFill/>
+        </p:spPr>
+        <p:txBody>
+          <a:bodyPr wrap="square">
+            <a:spAutoFit/>
+          </a:bodyPr>
+          <a:lstStyle/>
+          <a:p>
+            <a:pPr lvl="0" algn="ctr">
+              <a:buSzPts val="1000"/>
+              <a:tabLst>
+                <a:tab pos="457200" algn="l"/>
+              </a:tabLst>
+            </a:pPr>
+            <a:r>
+              <a:rPr lang="en-AT" sz="1400" dirty="0">
+                <a:effectLst/>
+                <a:ea typeface="Times New Roman" panose="02020603050405020304" pitchFamily="18" charset="0"/>
+              </a:rPr>
+              <a:t>Comparison by subject</a:t>
+            </a:r>
+          </a:p>
+          <a:p>
+            <a:pPr lvl="0" algn="ctr">
+              <a:buSzPts val="1000"/>
+              <a:tabLst>
+                <a:tab pos="457200" algn="l"/>
+              </a:tabLst>
+            </a:pPr>
+            <a:endParaRPr lang="en-AT" sz="1400" dirty="0">
+              <a:effectLst/>
+              <a:ea typeface="Times New Roman" panose="02020603050405020304" pitchFamily="18" charset="0"/>
+            </a:endParaRPr>
+          </a:p>
+          <a:p>
+            <a:pPr lvl="0">
+              <a:buSzPts val="1000"/>
+              <a:tabLst>
+                <a:tab pos="457200" algn="l"/>
+              </a:tabLst>
+            </a:pPr>
+            <a:r>
+              <a:rPr lang="en-AT" sz="1500" b="1" dirty="0">
+                <a:effectLst/>
+                <a:ea typeface="Times New Roman" panose="02020603050405020304" pitchFamily="18" charset="0"/>
+              </a:rPr>
+              <a:t>H₀ (Null Hypothesis):</a:t>
+            </a:r>
+            <a:r>
+              <a:rPr lang="en-AT" sz="1500" dirty="0">
+                <a:effectLst/>
+                <a:ea typeface="Times New Roman" panose="02020603050405020304" pitchFamily="18" charset="0"/>
+              </a:rPr>
+              <a:t> </a:t>
+            </a:r>
+          </a:p>
+          <a:p>
+            <a:pPr lvl="0">
+              <a:buSzPts val="1000"/>
+              <a:tabLst>
+                <a:tab pos="457200" algn="l"/>
+              </a:tabLst>
+            </a:pPr>
+            <a:r>
+              <a:rPr lang="en-AT" sz="1500" i="1" dirty="0">
+                <a:effectLst/>
+                <a:ea typeface="Times New Roman" panose="02020603050405020304" pitchFamily="18" charset="0"/>
+              </a:rPr>
+              <a:t>The distributions of accuracy scores across the three prompting methods (CoT, CoVe, Self-Refine) are statistically indistinguishable.</a:t>
+            </a:r>
+          </a:p>
+          <a:p>
+            <a:pPr lvl="0">
+              <a:buSzPts val="1000"/>
+              <a:tabLst>
+                <a:tab pos="457200" algn="l"/>
+              </a:tabLst>
+            </a:pPr>
+            <a:endParaRPr lang="en-AT" sz="1500" dirty="0">
+              <a:effectLst/>
+              <a:ea typeface="Times New Roman" panose="02020603050405020304" pitchFamily="18" charset="0"/>
+            </a:endParaRPr>
+          </a:p>
+          <a:p>
+            <a:pPr lvl="0">
+              <a:buSzPts val="1000"/>
+              <a:tabLst>
+                <a:tab pos="457200" algn="l"/>
+              </a:tabLst>
+            </a:pPr>
+            <a:r>
+              <a:rPr lang="en-AT" sz="1500" b="1" dirty="0">
+                <a:effectLst/>
+                <a:ea typeface="Times New Roman" panose="02020603050405020304" pitchFamily="18" charset="0"/>
+              </a:rPr>
+              <a:t>H₁ (Alternative Hypothesis):</a:t>
+            </a:r>
+            <a:r>
+              <a:rPr lang="en-AT" sz="1500" dirty="0">
+                <a:effectLst/>
+                <a:ea typeface="Times New Roman" panose="02020603050405020304" pitchFamily="18" charset="0"/>
+              </a:rPr>
+              <a:t> </a:t>
+            </a:r>
+          </a:p>
+          <a:p>
+            <a:pPr lvl="0">
+              <a:buSzPts val="1000"/>
+              <a:tabLst>
+                <a:tab pos="457200" algn="l"/>
+              </a:tabLst>
+            </a:pPr>
+            <a:r>
+              <a:rPr lang="en-AT" sz="1500" i="1" dirty="0">
+                <a:effectLst/>
+                <a:ea typeface="Times New Roman" panose="02020603050405020304" pitchFamily="18" charset="0"/>
+              </a:rPr>
+              <a:t>At least one method differs significantly in accuracy from the others.</a:t>
+            </a:r>
+          </a:p>
+          <a:p>
+            <a:pPr marL="342900" lvl="0" indent="-342900">
+              <a:buSzPts val="1000"/>
+              <a:buFont typeface="Symbol" pitchFamily="2" charset="2"/>
+              <a:buChar char=""/>
+              <a:tabLst>
+                <a:tab pos="457200" algn="l"/>
+              </a:tabLst>
+            </a:pPr>
+            <a:endParaRPr lang="en-AT" sz="1500" dirty="0">
+              <a:ea typeface="Times New Roman" panose="02020603050405020304" pitchFamily="18" charset="0"/>
+            </a:endParaRPr>
+          </a:p>
+          <a:p>
+            <a:pPr lvl="0">
+              <a:buSzPts val="1000"/>
+              <a:tabLst>
+                <a:tab pos="457200" algn="l"/>
+              </a:tabLst>
+            </a:pPr>
+            <a:r>
+              <a:rPr lang="en-AT" sz="1500" b="1" dirty="0">
+                <a:effectLst/>
+                <a:ea typeface="Times New Roman" panose="02020603050405020304" pitchFamily="18" charset="0"/>
+              </a:rPr>
+              <a:t>Result: Reject H₀ </a:t>
+            </a:r>
+          </a:p>
+          <a:p>
+            <a:pPr lvl="0">
+              <a:buSzPts val="1000"/>
+              <a:tabLst>
+                <a:tab pos="457200" algn="l"/>
+              </a:tabLst>
+            </a:pPr>
+            <a:r>
+              <a:rPr lang="en-AT" sz="1500" dirty="0">
+                <a:ea typeface="Times New Roman" panose="02020603050405020304" pitchFamily="18" charset="0"/>
+              </a:rPr>
+              <a:t>S</a:t>
+            </a:r>
+            <a:r>
+              <a:rPr lang="en-AT" sz="1500" dirty="0">
+                <a:effectLst/>
+                <a:ea typeface="Times New Roman" panose="02020603050405020304" pitchFamily="18" charset="0"/>
+              </a:rPr>
+              <a:t>ignificant differences were observed for </a:t>
+            </a:r>
+            <a:r>
+              <a:rPr lang="en-AT" sz="1500" b="1" dirty="0">
+                <a:effectLst/>
+                <a:ea typeface="Times New Roman" panose="02020603050405020304" pitchFamily="18" charset="0"/>
+              </a:rPr>
+              <a:t>Mathematics</a:t>
+            </a:r>
+            <a:r>
+              <a:rPr lang="en-AT" sz="1500" dirty="0">
+                <a:effectLst/>
+                <a:ea typeface="Times New Roman" panose="02020603050405020304" pitchFamily="18" charset="0"/>
+              </a:rPr>
+              <a:t> and </a:t>
+            </a:r>
+            <a:r>
+              <a:rPr lang="en-AT" sz="1500" b="1" dirty="0">
+                <a:effectLst/>
+                <a:ea typeface="Times New Roman" panose="02020603050405020304" pitchFamily="18" charset="0"/>
+              </a:rPr>
+              <a:t>Human Sciences. </a:t>
+            </a:r>
+            <a:r>
+              <a:rPr lang="en-AT" sz="1500" dirty="0">
+                <a:effectLst/>
+                <a:ea typeface="Times New Roman" panose="02020603050405020304" pitchFamily="18" charset="0"/>
+              </a:rPr>
+              <a:t>In both cases, </a:t>
+            </a:r>
+            <a:r>
+              <a:rPr lang="en-AT" sz="1500" b="1" dirty="0">
+                <a:effectLst/>
+                <a:ea typeface="Times New Roman" panose="02020603050405020304" pitchFamily="18" charset="0"/>
+              </a:rPr>
+              <a:t>Chain-of-Thought achieved the highest average accuracy</a:t>
+            </a:r>
+            <a:r>
+              <a:rPr lang="en-AT" sz="1500" dirty="0">
+                <a:ea typeface="Times New Roman" panose="02020603050405020304" pitchFamily="18" charset="0"/>
+              </a:rPr>
+              <a:t>.</a:t>
+            </a:r>
+            <a:endParaRPr lang="en-AT" sz="1500" b="1" dirty="0">
+              <a:effectLst/>
+              <a:ea typeface="Times New Roman" panose="02020603050405020304" pitchFamily="18" charset="0"/>
+            </a:endParaRPr>
+          </a:p>
+        </p:txBody>
+      </p:sp>
       <p:pic>
         <p:nvPicPr>
-          <p:cNvPr id="8" name="Picture 7">
-            <a:extLst>
-              <a:ext uri="{FF2B5EF4-FFF2-40B4-BE49-F238E27FC236}">
-                <a16:creationId xmlns:a16="http://schemas.microsoft.com/office/drawing/2014/main" id="{8878FF17-B4AD-81D8-71B2-CE65B8C53F69}"/>
+          <p:cNvPr id="7" name="Picture 6" descr="A graph of different colored bars&#10;&#10;AI-generated content may be incorrect.">
+            <a:extLst>
+              <a:ext uri="{FF2B5EF4-FFF2-40B4-BE49-F238E27FC236}">
+                <a16:creationId xmlns:a16="http://schemas.microsoft.com/office/drawing/2014/main" id="{5F45ADE1-BE6A-7B44-FA76-49AD6B2503CA}"/>
               </a:ext>
             </a:extLst>
           </p:cNvPr>
@@ -7976,8 +8339,8 @@
         </p:blipFill>
         <p:spPr>
           <a:xfrm>
-            <a:off x="1730535" y="553456"/>
-            <a:ext cx="5674249" cy="4076411"/>
+            <a:off x="116679" y="1144150"/>
+            <a:ext cx="4884318" cy="2855199"/>
           </a:xfrm>
           <a:prstGeom prst="rect">
             <a:avLst/>
@@ -7987,7 +8350,7 @@
     </p:spTree>
     <p:extLst>
       <p:ext uri="{BB962C8B-B14F-4D97-AF65-F5344CB8AC3E}">
-        <p14:creationId xmlns:p14="http://schemas.microsoft.com/office/powerpoint/2010/main" val="1525620557"/>
+        <p14:creationId xmlns:p14="http://schemas.microsoft.com/office/powerpoint/2010/main" val="1311149705"/>
       </p:ext>
     </p:extLst>
   </p:cSld>
@@ -8005,7 +8368,7 @@
         <p:cNvPr id="1" name="">
           <a:extLst>
             <a:ext uri="{FF2B5EF4-FFF2-40B4-BE49-F238E27FC236}">
-              <a16:creationId xmlns:a16="http://schemas.microsoft.com/office/drawing/2014/main" id="{E9B9A283-957D-900C-FFAA-5ECA47A6F045}"/>
+              <a16:creationId xmlns:a16="http://schemas.microsoft.com/office/drawing/2014/main" id="{15D88D85-C9E1-2B0E-E096-FC1799B6F5CA}"/>
             </a:ext>
           </a:extLst>
         </p:cNvPr>
@@ -8025,7 +8388,7 @@
           <p:cNvPr id="2" name="Title 1">
             <a:extLst>
               <a:ext uri="{FF2B5EF4-FFF2-40B4-BE49-F238E27FC236}">
-                <a16:creationId xmlns:a16="http://schemas.microsoft.com/office/drawing/2014/main" id="{F6C87049-70BB-CF87-BDDD-95EC6C8E5E6F}"/>
+                <a16:creationId xmlns:a16="http://schemas.microsoft.com/office/drawing/2014/main" id="{D3BB106E-A421-52E8-7F78-708DED89D0DC}"/>
               </a:ext>
             </a:extLst>
           </p:cNvPr>
@@ -8045,7 +8408,7 @@
           <a:p>
             <a:r>
               <a:rPr lang="en-AT" dirty="0"/>
-              <a:t>Primary Results: Feedback accuracy </a:t>
+              <a:t>Results: Answer Consistency</a:t>
             </a:r>
           </a:p>
         </p:txBody>
@@ -8055,7 +8418,7 @@
           <p:cNvPr id="4" name="Footer Placeholder 3">
             <a:extLst>
               <a:ext uri="{FF2B5EF4-FFF2-40B4-BE49-F238E27FC236}">
-                <a16:creationId xmlns:a16="http://schemas.microsoft.com/office/drawing/2014/main" id="{81EA110B-3B70-4EDA-6816-2E2411F2AF29}"/>
+                <a16:creationId xmlns:a16="http://schemas.microsoft.com/office/drawing/2014/main" id="{E632B3A0-FCAB-711A-AD97-BDD2D43E8AFA}"/>
               </a:ext>
             </a:extLst>
           </p:cNvPr>
@@ -8084,7 +8447,7 @@
           <p:cNvPr id="5" name="Slide Number Placeholder 4">
             <a:extLst>
               <a:ext uri="{FF2B5EF4-FFF2-40B4-BE49-F238E27FC236}">
-                <a16:creationId xmlns:a16="http://schemas.microsoft.com/office/drawing/2014/main" id="{193685AC-2D3C-88CB-0CE0-D6C42D2D383D}"/>
+                <a16:creationId xmlns:a16="http://schemas.microsoft.com/office/drawing/2014/main" id="{FDB8483A-9A5E-3F22-7FF2-C69770116EAA}"/>
               </a:ext>
             </a:extLst>
           </p:cNvPr>
@@ -8114,7 +8477,7 @@
           <p:cNvPr id="6" name="TextBox 5">
             <a:extLst>
               <a:ext uri="{FF2B5EF4-FFF2-40B4-BE49-F238E27FC236}">
-                <a16:creationId xmlns:a16="http://schemas.microsoft.com/office/drawing/2014/main" id="{8C5450B6-7062-487C-420D-346F9A880769}"/>
+                <a16:creationId xmlns:a16="http://schemas.microsoft.com/office/drawing/2014/main" id="{C1E3B76A-0E5C-B1DE-ABB3-1A00692EDDD2}"/>
               </a:ext>
             </a:extLst>
           </p:cNvPr>
@@ -8141,12 +8504,272 @@
           </a:p>
         </p:txBody>
       </p:sp>
+      <p:sp>
+        <p:nvSpPr>
+          <p:cNvPr id="7" name="TextBox 6">
+            <a:extLst>
+              <a:ext uri="{FF2B5EF4-FFF2-40B4-BE49-F238E27FC236}">
+                <a16:creationId xmlns:a16="http://schemas.microsoft.com/office/drawing/2014/main" id="{87075376-6262-224B-456A-7AF3397177D6}"/>
+              </a:ext>
+            </a:extLst>
+          </p:cNvPr>
+          <p:cNvSpPr txBox="1"/>
+          <p:nvPr/>
+        </p:nvSpPr>
+        <p:spPr>
+          <a:xfrm>
+            <a:off x="5037127" y="448091"/>
+            <a:ext cx="3990194" cy="4247317"/>
+          </a:xfrm>
+          <a:prstGeom prst="rect">
+            <a:avLst/>
+          </a:prstGeom>
+          <a:noFill/>
+        </p:spPr>
+        <p:txBody>
+          <a:bodyPr wrap="square">
+            <a:spAutoFit/>
+          </a:bodyPr>
+          <a:lstStyle/>
+          <a:p>
+            <a:pPr lvl="0" algn="ctr">
+              <a:buSzPts val="1000"/>
+              <a:tabLst>
+                <a:tab pos="457200" algn="l"/>
+              </a:tabLst>
+            </a:pPr>
+            <a:r>
+              <a:rPr lang="en-AT" sz="1400" dirty="0">
+                <a:effectLst/>
+                <a:ea typeface="Times New Roman" panose="02020603050405020304" pitchFamily="18" charset="0"/>
+              </a:rPr>
+              <a:t>Pair-wise method comparison for each subject</a:t>
+            </a:r>
+          </a:p>
+          <a:p>
+            <a:pPr lvl="0" algn="ctr">
+              <a:buSzPts val="1000"/>
+              <a:tabLst>
+                <a:tab pos="457200" algn="l"/>
+              </a:tabLst>
+            </a:pPr>
+            <a:endParaRPr lang="en-AT" sz="1600" dirty="0">
+              <a:effectLst/>
+              <a:ea typeface="Times New Roman" panose="02020603050405020304" pitchFamily="18" charset="0"/>
+            </a:endParaRPr>
+          </a:p>
+          <a:p>
+            <a:pPr lvl="0">
+              <a:buSzPts val="1000"/>
+              <a:tabLst>
+                <a:tab pos="457200" algn="l"/>
+              </a:tabLst>
+            </a:pPr>
+            <a:r>
+              <a:rPr lang="en-AT" sz="1600" b="1" dirty="0">
+                <a:effectLst/>
+                <a:ea typeface="Times New Roman" panose="02020603050405020304" pitchFamily="18" charset="0"/>
+              </a:rPr>
+              <a:t>H₀ (Null Hypothesis):</a:t>
+            </a:r>
+            <a:r>
+              <a:rPr lang="en-AT" sz="1600" dirty="0">
+                <a:effectLst/>
+                <a:ea typeface="Times New Roman" panose="02020603050405020304" pitchFamily="18" charset="0"/>
+              </a:rPr>
+              <a:t> </a:t>
+            </a:r>
+          </a:p>
+          <a:p>
+            <a:pPr lvl="0">
+              <a:buSzPts val="1000"/>
+              <a:tabLst>
+                <a:tab pos="457200" algn="l"/>
+              </a:tabLst>
+            </a:pPr>
+            <a:r>
+              <a:rPr lang="en-AT" sz="1600" dirty="0">
+                <a:effectLst/>
+                <a:ea typeface="Times New Roman" panose="02020603050405020304" pitchFamily="18" charset="0"/>
+              </a:rPr>
+              <a:t>The consistency proportions of the two methods being compared are equal (no difference in consistency).</a:t>
+            </a:r>
+          </a:p>
+          <a:p>
+            <a:pPr lvl="0">
+              <a:buSzPts val="1000"/>
+              <a:tabLst>
+                <a:tab pos="457200" algn="l"/>
+              </a:tabLst>
+            </a:pPr>
+            <a:endParaRPr lang="en-AT" sz="1600" dirty="0">
+              <a:effectLst/>
+              <a:ea typeface="Times New Roman" panose="02020603050405020304" pitchFamily="18" charset="0"/>
+            </a:endParaRPr>
+          </a:p>
+          <a:p>
+            <a:pPr lvl="0">
+              <a:buSzPts val="1000"/>
+              <a:tabLst>
+                <a:tab pos="457200" algn="l"/>
+              </a:tabLst>
+            </a:pPr>
+            <a:r>
+              <a:rPr lang="en-AT" sz="1600" b="1" dirty="0">
+                <a:effectLst/>
+                <a:ea typeface="Times New Roman" panose="02020603050405020304" pitchFamily="18" charset="0"/>
+              </a:rPr>
+              <a:t>H₁ (Alternative Hypothesis):</a:t>
+            </a:r>
+            <a:r>
+              <a:rPr lang="en-AT" sz="1600" dirty="0">
+                <a:effectLst/>
+                <a:ea typeface="Times New Roman" panose="02020603050405020304" pitchFamily="18" charset="0"/>
+              </a:rPr>
+              <a:t> </a:t>
+            </a:r>
+          </a:p>
+          <a:p>
+            <a:pPr lvl="0">
+              <a:buSzPts val="1000"/>
+              <a:tabLst>
+                <a:tab pos="457200" algn="l"/>
+              </a:tabLst>
+            </a:pPr>
+            <a:r>
+              <a:rPr lang="en-AT" sz="1600" dirty="0">
+                <a:effectLst/>
+                <a:ea typeface="Times New Roman" panose="02020603050405020304" pitchFamily="18" charset="0"/>
+              </a:rPr>
+              <a:t>The consistency proportions differ between the two methods.</a:t>
+            </a:r>
+          </a:p>
+          <a:p>
+            <a:pPr lvl="0">
+              <a:buSzPts val="1000"/>
+              <a:tabLst>
+                <a:tab pos="457200" algn="l"/>
+              </a:tabLst>
+            </a:pPr>
+            <a:endParaRPr lang="en-AT" sz="1600" dirty="0">
+              <a:ea typeface="Times New Roman" panose="02020603050405020304" pitchFamily="18" charset="0"/>
+            </a:endParaRPr>
+          </a:p>
+          <a:p>
+            <a:pPr lvl="0">
+              <a:buSzPts val="1000"/>
+              <a:tabLst>
+                <a:tab pos="457200" algn="l"/>
+              </a:tabLst>
+            </a:pPr>
+            <a:r>
+              <a:rPr lang="en-AT" sz="1600" b="1" dirty="0">
+                <a:effectLst/>
+                <a:ea typeface="Times New Roman" panose="02020603050405020304" pitchFamily="18" charset="0"/>
+              </a:rPr>
+              <a:t>Result: Reject H₀ </a:t>
+            </a:r>
+          </a:p>
+          <a:p>
+            <a:pPr lvl="0">
+              <a:buSzPts val="1000"/>
+              <a:tabLst>
+                <a:tab pos="457200" algn="l"/>
+              </a:tabLst>
+            </a:pPr>
+            <a:r>
+              <a:rPr lang="en-AT" sz="1600" b="1" dirty="0">
+                <a:effectLst/>
+                <a:ea typeface="Times New Roman" panose="02020603050405020304" pitchFamily="18" charset="0"/>
+                <a:cs typeface="Times New Roman" panose="02020603050405020304" pitchFamily="18" charset="0"/>
+              </a:rPr>
+              <a:t>Chain-of-Thought</a:t>
+            </a:r>
+            <a:r>
+              <a:rPr lang="en-AT" sz="1600" b="0" dirty="0">
+                <a:effectLst/>
+                <a:ea typeface="Times New Roman" panose="02020603050405020304" pitchFamily="18" charset="0"/>
+                <a:cs typeface="Times New Roman" panose="02020603050405020304" pitchFamily="18" charset="0"/>
+              </a:rPr>
+              <a:t> yields more stable predictions</a:t>
+            </a:r>
+            <a:r>
+              <a:rPr lang="en-AT" sz="1600" b="1" dirty="0">
+                <a:effectLst/>
+                <a:ea typeface="Times New Roman" panose="02020603050405020304" pitchFamily="18" charset="0"/>
+                <a:cs typeface="Times New Roman" panose="02020603050405020304" pitchFamily="18" charset="0"/>
+              </a:rPr>
+              <a:t> </a:t>
+            </a:r>
+            <a:r>
+              <a:rPr lang="en-AT" sz="1600" dirty="0">
+                <a:effectLst/>
+                <a:ea typeface="Times New Roman" panose="02020603050405020304" pitchFamily="18" charset="0"/>
+                <a:cs typeface="Times New Roman" panose="02020603050405020304" pitchFamily="18" charset="0"/>
+              </a:rPr>
+              <a:t>than both Chain-of-Verification and Self-Refine, both </a:t>
+            </a:r>
+            <a:r>
+              <a:rPr lang="en-AT" sz="1600" b="1" dirty="0">
+                <a:effectLst/>
+                <a:ea typeface="Times New Roman" panose="02020603050405020304" pitchFamily="18" charset="0"/>
+                <a:cs typeface="Times New Roman" panose="02020603050405020304" pitchFamily="18" charset="0"/>
+              </a:rPr>
+              <a:t>overall</a:t>
+            </a:r>
+            <a:r>
+              <a:rPr lang="en-AT" sz="1600" dirty="0">
+                <a:effectLst/>
+                <a:ea typeface="Times New Roman" panose="02020603050405020304" pitchFamily="18" charset="0"/>
+                <a:cs typeface="Times New Roman" panose="02020603050405020304" pitchFamily="18" charset="0"/>
+              </a:rPr>
+              <a:t> and within specific subject areas like </a:t>
+            </a:r>
+            <a:r>
+              <a:rPr lang="en-AT" sz="1600" b="1" dirty="0">
+                <a:effectLst/>
+                <a:ea typeface="Times New Roman" panose="02020603050405020304" pitchFamily="18" charset="0"/>
+                <a:cs typeface="Times New Roman" panose="02020603050405020304" pitchFamily="18" charset="0"/>
+              </a:rPr>
+              <a:t>Human Sciences </a:t>
+            </a:r>
+            <a:r>
+              <a:rPr lang="en-AT" sz="1600" dirty="0">
+                <a:effectLst/>
+                <a:ea typeface="Times New Roman" panose="02020603050405020304" pitchFamily="18" charset="0"/>
+                <a:cs typeface="Times New Roman" panose="02020603050405020304" pitchFamily="18" charset="0"/>
+              </a:rPr>
+              <a:t>and </a:t>
+            </a:r>
+            <a:r>
+              <a:rPr lang="en-AT" sz="1600" b="1" dirty="0">
+                <a:effectLst/>
+                <a:ea typeface="Times New Roman" panose="02020603050405020304" pitchFamily="18" charset="0"/>
+                <a:cs typeface="Times New Roman" panose="02020603050405020304" pitchFamily="18" charset="0"/>
+              </a:rPr>
+              <a:t>Languages</a:t>
+            </a:r>
+            <a:r>
+              <a:rPr lang="en-AT" sz="1600" b="1" dirty="0">
+                <a:ea typeface="Times New Roman" panose="02020603050405020304" pitchFamily="18" charset="0"/>
+                <a:cs typeface="Times New Roman" panose="02020603050405020304" pitchFamily="18" charset="0"/>
+              </a:rPr>
+              <a:t>.</a:t>
+            </a:r>
+            <a:endParaRPr lang="en-AT" sz="1600" b="1" dirty="0">
+              <a:effectLst/>
+              <a:ea typeface="Times New Roman" panose="02020603050405020304" pitchFamily="18" charset="0"/>
+              <a:cs typeface="Times New Roman" panose="02020603050405020304" pitchFamily="18" charset="0"/>
+            </a:endParaRPr>
+          </a:p>
+        </p:txBody>
+      </p:sp>
       <p:pic>
         <p:nvPicPr>
-          <p:cNvPr id="9" name="Picture 8">
-            <a:extLst>
-              <a:ext uri="{FF2B5EF4-FFF2-40B4-BE49-F238E27FC236}">
-                <a16:creationId xmlns:a16="http://schemas.microsoft.com/office/drawing/2014/main" id="{C46F95BA-8CE1-435E-D6FF-BB59AE4D3C3C}"/>
+          <p:cNvPr id="8" name="Picture 7" descr="A graph with different colored bars&#10;&#10;AI-generated content may be incorrect.">
+            <a:extLst>
+              <a:ext uri="{FF2B5EF4-FFF2-40B4-BE49-F238E27FC236}">
+                <a16:creationId xmlns:a16="http://schemas.microsoft.com/office/drawing/2014/main" id="{EFE22788-A10F-B4F9-F633-5147BD71C232}"/>
               </a:ext>
             </a:extLst>
           </p:cNvPr>
@@ -8163,8 +8786,8 @@
         </p:blipFill>
         <p:spPr>
           <a:xfrm>
-            <a:off x="1960103" y="553456"/>
-            <a:ext cx="6080651" cy="4178691"/>
+            <a:off x="267258" y="1062288"/>
+            <a:ext cx="4769869" cy="2788296"/>
           </a:xfrm>
           <a:prstGeom prst="rect">
             <a:avLst/>
@@ -8174,7 +8797,7 @@
     </p:spTree>
     <p:extLst>
       <p:ext uri="{BB962C8B-B14F-4D97-AF65-F5344CB8AC3E}">
-        <p14:creationId xmlns:p14="http://schemas.microsoft.com/office/powerpoint/2010/main" val="1026680890"/>
+        <p14:creationId xmlns:p14="http://schemas.microsoft.com/office/powerpoint/2010/main" val="1525620557"/>
       </p:ext>
     </p:extLst>
   </p:cSld>
